--- a/presentation.pptx
+++ b/presentation.pptx
@@ -10,6 +10,10 @@
     <p:sldId id="257" r:id="rId4"/>
     <p:sldId id="259" r:id="rId5"/>
     <p:sldId id="260" r:id="rId6"/>
+    <p:sldId id="261" r:id="rId7"/>
+    <p:sldId id="262" r:id="rId8"/>
+    <p:sldId id="263" r:id="rId9"/>
+    <p:sldId id="264" r:id="rId10"/>
   </p:sldIdLst>
   <p:sldSz cx="12192000" cy="6858000"/>
   <p:notesSz cx="6858000" cy="9144000"/>
@@ -108,13 +112,30 @@
       </a:defRPr>
     </a:lvl9pPr>
   </p:defaultTextStyle>
+  <p:extLst>
+    <p:ext uri="{EFAFB233-063F-42B5-8137-9DF3F51BA10A}">
+      <p15:sldGuideLst xmlns:p15="http://schemas.microsoft.com/office/powerpoint/2012/main"/>
+    </p:ext>
+  </p:extLst>
 </p:presentation>
+</file>
+
+<file path=ppt/commentAuthors.xml><?xml version="1.0" encoding="utf-8"?>
+<p:cmAuthorLst xmlns:a="http://schemas.openxmlformats.org/drawingml/2006/main" xmlns:r="http://schemas.openxmlformats.org/officeDocument/2006/relationships" xmlns:p="http://schemas.openxmlformats.org/presentationml/2006/main">
+  <p:cmAuthor id="1" name="SHUAI ZHANG" initials="SZ" lastIdx="1" clrIdx="0">
+    <p:extLst>
+      <p:ext uri="{19B8F6BF-5375-455C-9EA6-DF929625EA0E}">
+        <p15:presenceInfo xmlns:p15="http://schemas.microsoft.com/office/powerpoint/2012/main" userId="S::szhang565@wisc.edu::334f4afa-8742-43f3-aeb1-870303456831" providerId="AD"/>
+      </p:ext>
+    </p:extLst>
+  </p:cmAuthor>
+</p:cmAuthorLst>
 </file>
 
 <file path=ppt/revisionInfo.xml><?xml version="1.0" encoding="utf-8"?>
 <p1510:revInfo xmlns:a="http://schemas.openxmlformats.org/drawingml/2006/main" xmlns:r="http://schemas.openxmlformats.org/officeDocument/2006/relationships" xmlns:p1510="http://schemas.microsoft.com/office/powerpoint/2015/10/main">
   <p1510:revLst>
-    <p1510:client id="{B288F3B6-FACE-401F-9D6A-3B3922D7624E}" v="7" dt="2021-04-28T13:55:47.220"/>
+    <p1510:client id="{B288F3B6-FACE-401F-9D6A-3B3922D7624E}" v="12" dt="2021-04-28T14:41:07.984"/>
   </p1510:revLst>
 </p1510:revInfo>
 </file>
@@ -123,19 +144,19 @@
 <pc:chgInfo xmlns:a="http://schemas.openxmlformats.org/drawingml/2006/main" xmlns:r="http://schemas.openxmlformats.org/officeDocument/2006/relationships" xmlns:ac="http://schemas.microsoft.com/office/drawing/2013/main/command" xmlns:pc="http://schemas.microsoft.com/office/powerpoint/2013/main/command">
   <pc:docChgLst>
     <pc:chgData name="SHUAI ZHANG" userId="334f4afa-8742-43f3-aeb1-870303456831" providerId="ADAL" clId="{B288F3B6-FACE-401F-9D6A-3B3922D7624E}"/>
-    <pc:docChg chg="undo custSel addSld modSld">
-      <pc:chgData name="SHUAI ZHANG" userId="334f4afa-8742-43f3-aeb1-870303456831" providerId="ADAL" clId="{B288F3B6-FACE-401F-9D6A-3B3922D7624E}" dt="2021-04-28T14:15:17.762" v="2141" actId="20577"/>
+    <pc:docChg chg="undo custSel addSld delSld modSld">
+      <pc:chgData name="SHUAI ZHANG" userId="334f4afa-8742-43f3-aeb1-870303456831" providerId="ADAL" clId="{B288F3B6-FACE-401F-9D6A-3B3922D7624E}" dt="2021-05-04T03:45:48.595" v="3702" actId="1036"/>
       <pc:docMkLst>
         <pc:docMk/>
       </pc:docMkLst>
       <pc:sldChg chg="addSp delSp modSp new mod">
-        <pc:chgData name="SHUAI ZHANG" userId="334f4afa-8742-43f3-aeb1-870303456831" providerId="ADAL" clId="{B288F3B6-FACE-401F-9D6A-3B3922D7624E}" dt="2021-04-28T13:05:50.352" v="291" actId="20577"/>
+        <pc:chgData name="SHUAI ZHANG" userId="334f4afa-8742-43f3-aeb1-870303456831" providerId="ADAL" clId="{B288F3B6-FACE-401F-9D6A-3B3922D7624E}" dt="2021-04-28T14:37:58.916" v="3367" actId="20577"/>
         <pc:sldMkLst>
           <pc:docMk/>
           <pc:sldMk cId="1880880942" sldId="256"/>
         </pc:sldMkLst>
         <pc:spChg chg="mod">
-          <ac:chgData name="SHUAI ZHANG" userId="334f4afa-8742-43f3-aeb1-870303456831" providerId="ADAL" clId="{B288F3B6-FACE-401F-9D6A-3B3922D7624E}" dt="2021-04-28T13:03:31.513" v="170" actId="20577"/>
+          <ac:chgData name="SHUAI ZHANG" userId="334f4afa-8742-43f3-aeb1-870303456831" providerId="ADAL" clId="{B288F3B6-FACE-401F-9D6A-3B3922D7624E}" dt="2021-04-28T14:37:58.916" v="3367" actId="20577"/>
           <ac:spMkLst>
             <pc:docMk/>
             <pc:sldMk cId="1880880942" sldId="256"/>
@@ -167,14 +188,14 @@
           </ac:spMkLst>
         </pc:spChg>
       </pc:sldChg>
-      <pc:sldChg chg="modSp new mod">
-        <pc:chgData name="SHUAI ZHANG" userId="334f4afa-8742-43f3-aeb1-870303456831" providerId="ADAL" clId="{B288F3B6-FACE-401F-9D6A-3B3922D7624E}" dt="2021-04-28T14:13:11.843" v="1923" actId="20577"/>
+      <pc:sldChg chg="addSp modSp new mod setBg">
+        <pc:chgData name="SHUAI ZHANG" userId="334f4afa-8742-43f3-aeb1-870303456831" providerId="ADAL" clId="{B288F3B6-FACE-401F-9D6A-3B3922D7624E}" dt="2021-05-04T03:45:48.595" v="3702" actId="1036"/>
         <pc:sldMkLst>
           <pc:docMk/>
           <pc:sldMk cId="3137896567" sldId="257"/>
         </pc:sldMkLst>
         <pc:spChg chg="mod">
-          <ac:chgData name="SHUAI ZHANG" userId="334f4afa-8742-43f3-aeb1-870303456831" providerId="ADAL" clId="{B288F3B6-FACE-401F-9D6A-3B3922D7624E}" dt="2021-04-28T13:29:24.638" v="729" actId="20577"/>
+          <ac:chgData name="SHUAI ZHANG" userId="334f4afa-8742-43f3-aeb1-870303456831" providerId="ADAL" clId="{B288F3B6-FACE-401F-9D6A-3B3922D7624E}" dt="2021-04-28T14:40:49.322" v="3394" actId="26606"/>
           <ac:spMkLst>
             <pc:docMk/>
             <pc:sldMk cId="3137896567" sldId="257"/>
@@ -182,16 +203,32 @@
           </ac:spMkLst>
         </pc:spChg>
         <pc:spChg chg="mod">
-          <ac:chgData name="SHUAI ZHANG" userId="334f4afa-8742-43f3-aeb1-870303456831" providerId="ADAL" clId="{B288F3B6-FACE-401F-9D6A-3B3922D7624E}" dt="2021-04-28T14:13:11.843" v="1923" actId="20577"/>
+          <ac:chgData name="SHUAI ZHANG" userId="334f4afa-8742-43f3-aeb1-870303456831" providerId="ADAL" clId="{B288F3B6-FACE-401F-9D6A-3B3922D7624E}" dt="2021-04-28T14:40:49.322" v="3394" actId="26606"/>
           <ac:spMkLst>
             <pc:docMk/>
             <pc:sldMk cId="3137896567" sldId="257"/>
             <ac:spMk id="3" creationId="{38A9C4D4-BBCE-46BC-BB45-2DC77DB1892C}"/>
           </ac:spMkLst>
         </pc:spChg>
+        <pc:spChg chg="add mod">
+          <ac:chgData name="SHUAI ZHANG" userId="334f4afa-8742-43f3-aeb1-870303456831" providerId="ADAL" clId="{B288F3B6-FACE-401F-9D6A-3B3922D7624E}" dt="2021-04-28T14:41:27.228" v="3427" actId="1076"/>
+          <ac:spMkLst>
+            <pc:docMk/>
+            <pc:sldMk cId="3137896567" sldId="257"/>
+            <ac:spMk id="6" creationId="{180788E8-7092-414A-82B4-673C4558519D}"/>
+          </ac:spMkLst>
+        </pc:spChg>
+        <pc:picChg chg="add mod">
+          <ac:chgData name="SHUAI ZHANG" userId="334f4afa-8742-43f3-aeb1-870303456831" providerId="ADAL" clId="{B288F3B6-FACE-401F-9D6A-3B3922D7624E}" dt="2021-05-04T03:45:48.595" v="3702" actId="1036"/>
+          <ac:picMkLst>
+            <pc:docMk/>
+            <pc:sldMk cId="3137896567" sldId="257"/>
+            <ac:picMk id="5" creationId="{6A61274A-D421-4FBA-840D-185797697850}"/>
+          </ac:picMkLst>
+        </pc:picChg>
       </pc:sldChg>
       <pc:sldChg chg="modSp new mod">
-        <pc:chgData name="SHUAI ZHANG" userId="334f4afa-8742-43f3-aeb1-870303456831" providerId="ADAL" clId="{B288F3B6-FACE-401F-9D6A-3B3922D7624E}" dt="2021-04-28T13:29:48.731" v="779" actId="20577"/>
+        <pc:chgData name="SHUAI ZHANG" userId="334f4afa-8742-43f3-aeb1-870303456831" providerId="ADAL" clId="{B288F3B6-FACE-401F-9D6A-3B3922D7624E}" dt="2021-04-28T14:19:55.475" v="2273" actId="20577"/>
         <pc:sldMkLst>
           <pc:docMk/>
           <pc:sldMk cId="3504635061" sldId="258"/>
@@ -205,7 +242,7 @@
           </ac:spMkLst>
         </pc:spChg>
         <pc:spChg chg="mod">
-          <ac:chgData name="SHUAI ZHANG" userId="334f4afa-8742-43f3-aeb1-870303456831" providerId="ADAL" clId="{B288F3B6-FACE-401F-9D6A-3B3922D7624E}" dt="2021-04-28T13:29:48.731" v="779" actId="20577"/>
+          <ac:chgData name="SHUAI ZHANG" userId="334f4afa-8742-43f3-aeb1-870303456831" providerId="ADAL" clId="{B288F3B6-FACE-401F-9D6A-3B3922D7624E}" dt="2021-04-28T14:19:55.475" v="2273" actId="20577"/>
           <ac:spMkLst>
             <pc:docMk/>
             <pc:sldMk cId="3504635061" sldId="258"/>
@@ -269,7 +306,7 @@
         </pc:picChg>
       </pc:sldChg>
       <pc:sldChg chg="modSp new mod">
-        <pc:chgData name="SHUAI ZHANG" userId="334f4afa-8742-43f3-aeb1-870303456831" providerId="ADAL" clId="{B288F3B6-FACE-401F-9D6A-3B3922D7624E}" dt="2021-04-28T14:15:17.762" v="2141" actId="20577"/>
+        <pc:chgData name="SHUAI ZHANG" userId="334f4afa-8742-43f3-aeb1-870303456831" providerId="ADAL" clId="{B288F3B6-FACE-401F-9D6A-3B3922D7624E}" dt="2021-04-28T14:53:37.667" v="3647" actId="20577"/>
         <pc:sldMkLst>
           <pc:docMk/>
           <pc:sldMk cId="1851256542" sldId="260"/>
@@ -283,11 +320,166 @@
           </ac:spMkLst>
         </pc:spChg>
         <pc:spChg chg="mod">
-          <ac:chgData name="SHUAI ZHANG" userId="334f4afa-8742-43f3-aeb1-870303456831" providerId="ADAL" clId="{B288F3B6-FACE-401F-9D6A-3B3922D7624E}" dt="2021-04-28T14:15:17.762" v="2141" actId="20577"/>
+          <ac:chgData name="SHUAI ZHANG" userId="334f4afa-8742-43f3-aeb1-870303456831" providerId="ADAL" clId="{B288F3B6-FACE-401F-9D6A-3B3922D7624E}" dt="2021-04-28T14:53:37.667" v="3647" actId="20577"/>
           <ac:spMkLst>
             <pc:docMk/>
             <pc:sldMk cId="1851256542" sldId="260"/>
             <ac:spMk id="3" creationId="{91F9947D-8B13-496B-8DE7-F3E0DC37D9B8}"/>
+          </ac:spMkLst>
+        </pc:spChg>
+      </pc:sldChg>
+      <pc:sldChg chg="addSp delSp modSp new mod setBg addCm delCm">
+        <pc:chgData name="SHUAI ZHANG" userId="334f4afa-8742-43f3-aeb1-870303456831" providerId="ADAL" clId="{B288F3B6-FACE-401F-9D6A-3B3922D7624E}" dt="2021-04-28T14:27:29.245" v="2892" actId="255"/>
+        <pc:sldMkLst>
+          <pc:docMk/>
+          <pc:sldMk cId="4116369136" sldId="261"/>
+        </pc:sldMkLst>
+        <pc:spChg chg="mod">
+          <ac:chgData name="SHUAI ZHANG" userId="334f4afa-8742-43f3-aeb1-870303456831" providerId="ADAL" clId="{B288F3B6-FACE-401F-9D6A-3B3922D7624E}" dt="2021-04-28T14:25:22.260" v="2761" actId="26606"/>
+          <ac:spMkLst>
+            <pc:docMk/>
+            <pc:sldMk cId="4116369136" sldId="261"/>
+            <ac:spMk id="2" creationId="{9533547E-62DE-4674-B65C-EEB241E0136B}"/>
+          </ac:spMkLst>
+        </pc:spChg>
+        <pc:spChg chg="mod ord">
+          <ac:chgData name="SHUAI ZHANG" userId="334f4afa-8742-43f3-aeb1-870303456831" providerId="ADAL" clId="{B288F3B6-FACE-401F-9D6A-3B3922D7624E}" dt="2021-04-28T14:26:29.918" v="2839" actId="20577"/>
+          <ac:spMkLst>
+            <pc:docMk/>
+            <pc:sldMk cId="4116369136" sldId="261"/>
+            <ac:spMk id="3" creationId="{58E241D3-70C2-425B-A2AC-4FAE76092EA5}"/>
+          </ac:spMkLst>
+        </pc:spChg>
+        <pc:spChg chg="add del">
+          <ac:chgData name="SHUAI ZHANG" userId="334f4afa-8742-43f3-aeb1-870303456831" providerId="ADAL" clId="{B288F3B6-FACE-401F-9D6A-3B3922D7624E}" dt="2021-04-28T14:26:45.552" v="2844"/>
+          <ac:spMkLst>
+            <pc:docMk/>
+            <pc:sldMk cId="4116369136" sldId="261"/>
+            <ac:spMk id="6" creationId="{B3CFD32A-3826-4D6F-ABA6-844EB8F4F967}"/>
+          </ac:spMkLst>
+        </pc:spChg>
+        <pc:spChg chg="add mod">
+          <ac:chgData name="SHUAI ZHANG" userId="334f4afa-8742-43f3-aeb1-870303456831" providerId="ADAL" clId="{B288F3B6-FACE-401F-9D6A-3B3922D7624E}" dt="2021-04-28T14:27:29.245" v="2892" actId="255"/>
+          <ac:spMkLst>
+            <pc:docMk/>
+            <pc:sldMk cId="4116369136" sldId="261"/>
+            <ac:spMk id="7" creationId="{B1247866-09C6-4B8D-A776-334535325D6D}"/>
+          </ac:spMkLst>
+        </pc:spChg>
+        <pc:spChg chg="add">
+          <ac:chgData name="SHUAI ZHANG" userId="334f4afa-8742-43f3-aeb1-870303456831" providerId="ADAL" clId="{B288F3B6-FACE-401F-9D6A-3B3922D7624E}" dt="2021-04-28T14:25:22.260" v="2761" actId="26606"/>
+          <ac:spMkLst>
+            <pc:docMk/>
+            <pc:sldMk cId="4116369136" sldId="261"/>
+            <ac:spMk id="10" creationId="{311973C2-EB8B-452A-A698-4A252FD3AE28}"/>
+          </ac:spMkLst>
+        </pc:spChg>
+        <pc:spChg chg="add">
+          <ac:chgData name="SHUAI ZHANG" userId="334f4afa-8742-43f3-aeb1-870303456831" providerId="ADAL" clId="{B288F3B6-FACE-401F-9D6A-3B3922D7624E}" dt="2021-04-28T14:25:22.260" v="2761" actId="26606"/>
+          <ac:spMkLst>
+            <pc:docMk/>
+            <pc:sldMk cId="4116369136" sldId="261"/>
+            <ac:spMk id="12" creationId="{10162E77-11AD-44A7-84EC-40C59EEFBD2E}"/>
+          </ac:spMkLst>
+        </pc:spChg>
+        <pc:picChg chg="add mod">
+          <ac:chgData name="SHUAI ZHANG" userId="334f4afa-8742-43f3-aeb1-870303456831" providerId="ADAL" clId="{B288F3B6-FACE-401F-9D6A-3B3922D7624E}" dt="2021-04-28T14:25:22.260" v="2761" actId="26606"/>
+          <ac:picMkLst>
+            <pc:docMk/>
+            <pc:sldMk cId="4116369136" sldId="261"/>
+            <ac:picMk id="5" creationId="{5BD27847-72F0-427E-B352-69F4E13BCB28}"/>
+          </ac:picMkLst>
+        </pc:picChg>
+        <pc:cxnChg chg="add">
+          <ac:chgData name="SHUAI ZHANG" userId="334f4afa-8742-43f3-aeb1-870303456831" providerId="ADAL" clId="{B288F3B6-FACE-401F-9D6A-3B3922D7624E}" dt="2021-04-28T14:25:22.260" v="2761" actId="26606"/>
+          <ac:cxnSpMkLst>
+            <pc:docMk/>
+            <pc:sldMk cId="4116369136" sldId="261"/>
+            <ac:cxnSpMk id="14" creationId="{5AB158E9-1B40-4CD6-95F0-95CA11DF7B7A}"/>
+          </ac:cxnSpMkLst>
+        </pc:cxnChg>
+      </pc:sldChg>
+      <pc:sldChg chg="addSp modSp new mod">
+        <pc:chgData name="SHUAI ZHANG" userId="334f4afa-8742-43f3-aeb1-870303456831" providerId="ADAL" clId="{B288F3B6-FACE-401F-9D6A-3B3922D7624E}" dt="2021-04-28T14:54:12.430" v="3649" actId="14100"/>
+        <pc:sldMkLst>
+          <pc:docMk/>
+          <pc:sldMk cId="3700341734" sldId="262"/>
+        </pc:sldMkLst>
+        <pc:spChg chg="mod">
+          <ac:chgData name="SHUAI ZHANG" userId="334f4afa-8742-43f3-aeb1-870303456831" providerId="ADAL" clId="{B288F3B6-FACE-401F-9D6A-3B3922D7624E}" dt="2021-04-28T14:25:47.939" v="2773" actId="20577"/>
+          <ac:spMkLst>
+            <pc:docMk/>
+            <pc:sldMk cId="3700341734" sldId="262"/>
+            <ac:spMk id="2" creationId="{9E1D0D9C-B937-4FDC-A0E7-5A0FE1A1C9E4}"/>
+          </ac:spMkLst>
+        </pc:spChg>
+        <pc:spChg chg="mod">
+          <ac:chgData name="SHUAI ZHANG" userId="334f4afa-8742-43f3-aeb1-870303456831" providerId="ADAL" clId="{B288F3B6-FACE-401F-9D6A-3B3922D7624E}" dt="2021-04-28T14:44:00.356" v="3553" actId="20577"/>
+          <ac:spMkLst>
+            <pc:docMk/>
+            <pc:sldMk cId="3700341734" sldId="262"/>
+            <ac:spMk id="3" creationId="{FB64128D-B95F-4D98-AC87-AB2DCA50884F}"/>
+          </ac:spMkLst>
+        </pc:spChg>
+        <pc:picChg chg="add mod">
+          <ac:chgData name="SHUAI ZHANG" userId="334f4afa-8742-43f3-aeb1-870303456831" providerId="ADAL" clId="{B288F3B6-FACE-401F-9D6A-3B3922D7624E}" dt="2021-04-28T14:54:12.430" v="3649" actId="14100"/>
+          <ac:picMkLst>
+            <pc:docMk/>
+            <pc:sldMk cId="3700341734" sldId="262"/>
+            <ac:picMk id="5" creationId="{080C5A21-6275-4F92-9032-A744DA78E44D}"/>
+          </ac:picMkLst>
+        </pc:picChg>
+      </pc:sldChg>
+      <pc:sldChg chg="modSp new mod">
+        <pc:chgData name="SHUAI ZHANG" userId="334f4afa-8742-43f3-aeb1-870303456831" providerId="ADAL" clId="{B288F3B6-FACE-401F-9D6A-3B3922D7624E}" dt="2021-04-28T14:46:20.337" v="3602" actId="20577"/>
+        <pc:sldMkLst>
+          <pc:docMk/>
+          <pc:sldMk cId="3357249023" sldId="263"/>
+        </pc:sldMkLst>
+        <pc:spChg chg="mod">
+          <ac:chgData name="SHUAI ZHANG" userId="334f4afa-8742-43f3-aeb1-870303456831" providerId="ADAL" clId="{B288F3B6-FACE-401F-9D6A-3B3922D7624E}" dt="2021-04-28T14:30:41.090" v="3171" actId="20577"/>
+          <ac:spMkLst>
+            <pc:docMk/>
+            <pc:sldMk cId="3357249023" sldId="263"/>
+            <ac:spMk id="2" creationId="{0ACCE19C-2B39-4846-8ACF-BC378852860F}"/>
+          </ac:spMkLst>
+        </pc:spChg>
+        <pc:spChg chg="mod">
+          <ac:chgData name="SHUAI ZHANG" userId="334f4afa-8742-43f3-aeb1-870303456831" providerId="ADAL" clId="{B288F3B6-FACE-401F-9D6A-3B3922D7624E}" dt="2021-04-28T14:46:20.337" v="3602" actId="20577"/>
+          <ac:spMkLst>
+            <pc:docMk/>
+            <pc:sldMk cId="3357249023" sldId="263"/>
+            <ac:spMk id="3" creationId="{FC4325E2-994C-4B88-98AA-D1C799645841}"/>
+          </ac:spMkLst>
+        </pc:spChg>
+      </pc:sldChg>
+      <pc:sldChg chg="modSp new mod">
+        <pc:chgData name="SHUAI ZHANG" userId="334f4afa-8742-43f3-aeb1-870303456831" providerId="ADAL" clId="{B288F3B6-FACE-401F-9D6A-3B3922D7624E}" dt="2021-04-28T14:43:13.187" v="3433" actId="20577"/>
+        <pc:sldMkLst>
+          <pc:docMk/>
+          <pc:sldMk cId="3989530009" sldId="264"/>
+        </pc:sldMkLst>
+        <pc:spChg chg="mod">
+          <ac:chgData name="SHUAI ZHANG" userId="334f4afa-8742-43f3-aeb1-870303456831" providerId="ADAL" clId="{B288F3B6-FACE-401F-9D6A-3B3922D7624E}" dt="2021-04-28T14:43:13.187" v="3433" actId="20577"/>
+          <ac:spMkLst>
+            <pc:docMk/>
+            <pc:sldMk cId="3989530009" sldId="264"/>
+            <ac:spMk id="2" creationId="{B29372E3-B69B-468E-AE5B-786C91EED531}"/>
+          </ac:spMkLst>
+        </pc:spChg>
+      </pc:sldChg>
+      <pc:sldChg chg="modSp new del mod">
+        <pc:chgData name="SHUAI ZHANG" userId="334f4afa-8742-43f3-aeb1-870303456831" providerId="ADAL" clId="{B288F3B6-FACE-401F-9D6A-3B3922D7624E}" dt="2021-04-28T14:54:41.647" v="3701" actId="47"/>
+        <pc:sldMkLst>
+          <pc:docMk/>
+          <pc:sldMk cId="170569284" sldId="265"/>
+        </pc:sldMkLst>
+        <pc:spChg chg="mod">
+          <ac:chgData name="SHUAI ZHANG" userId="334f4afa-8742-43f3-aeb1-870303456831" providerId="ADAL" clId="{B288F3B6-FACE-401F-9D6A-3B3922D7624E}" dt="2021-04-28T14:54:39.960" v="3700" actId="20577"/>
+          <ac:spMkLst>
+            <pc:docMk/>
+            <pc:sldMk cId="170569284" sldId="265"/>
+            <ac:spMk id="2" creationId="{F55B29DC-4FE9-4219-B292-8D51FABC9336}"/>
           </ac:spMkLst>
         </pc:spChg>
       </pc:sldChg>
@@ -522,7 +714,7 @@
           <a:p>
             <a:fld id="{D26CF4C1-0ED9-4CB6-BE06-164AAE010A78}" type="datetimeFigureOut">
               <a:rPr lang="en-US" smtClean="0"/>
-              <a:t>4/28/2021</a:t>
+              <a:t>5/3/2021</a:t>
             </a:fld>
             <a:endParaRPr lang="en-US"/>
           </a:p>
@@ -730,7 +922,7 @@
           <a:p>
             <a:fld id="{D26CF4C1-0ED9-4CB6-BE06-164AAE010A78}" type="datetimeFigureOut">
               <a:rPr lang="en-US" smtClean="0"/>
-              <a:t>4/28/2021</a:t>
+              <a:t>5/3/2021</a:t>
             </a:fld>
             <a:endParaRPr lang="en-US"/>
           </a:p>
@@ -986,7 +1178,7 @@
           <a:p>
             <a:fld id="{D26CF4C1-0ED9-4CB6-BE06-164AAE010A78}" type="datetimeFigureOut">
               <a:rPr lang="en-US" smtClean="0"/>
-              <a:t>4/28/2021</a:t>
+              <a:t>5/3/2021</a:t>
             </a:fld>
             <a:endParaRPr lang="en-US"/>
           </a:p>
@@ -1160,7 +1352,7 @@
           <a:p>
             <a:fld id="{D26CF4C1-0ED9-4CB6-BE06-164AAE010A78}" type="datetimeFigureOut">
               <a:rPr lang="en-US" smtClean="0"/>
-              <a:t>4/28/2021</a:t>
+              <a:t>5/3/2021</a:t>
             </a:fld>
             <a:endParaRPr lang="en-US"/>
           </a:p>
@@ -1503,7 +1695,7 @@
           <a:p>
             <a:fld id="{D26CF4C1-0ED9-4CB6-BE06-164AAE010A78}" type="datetimeFigureOut">
               <a:rPr lang="en-US" smtClean="0"/>
-              <a:t>4/28/2021</a:t>
+              <a:t>5/3/2021</a:t>
             </a:fld>
             <a:endParaRPr lang="en-US"/>
           </a:p>
@@ -1778,7 +1970,7 @@
           <a:p>
             <a:fld id="{D26CF4C1-0ED9-4CB6-BE06-164AAE010A78}" type="datetimeFigureOut">
               <a:rPr lang="en-US" smtClean="0"/>
-              <a:t>4/28/2021</a:t>
+              <a:t>5/3/2021</a:t>
             </a:fld>
             <a:endParaRPr lang="en-US"/>
           </a:p>
@@ -2157,7 +2349,7 @@
           <a:p>
             <a:fld id="{D26CF4C1-0ED9-4CB6-BE06-164AAE010A78}" type="datetimeFigureOut">
               <a:rPr lang="en-US" smtClean="0"/>
-              <a:t>4/28/2021</a:t>
+              <a:t>5/3/2021</a:t>
             </a:fld>
             <a:endParaRPr lang="en-US"/>
           </a:p>
@@ -2275,7 +2467,7 @@
           <a:p>
             <a:fld id="{D26CF4C1-0ED9-4CB6-BE06-164AAE010A78}" type="datetimeFigureOut">
               <a:rPr lang="en-US" smtClean="0"/>
-              <a:t>4/28/2021</a:t>
+              <a:t>5/3/2021</a:t>
             </a:fld>
             <a:endParaRPr lang="en-US"/>
           </a:p>
@@ -2446,7 +2638,7 @@
           <a:p>
             <a:fld id="{D26CF4C1-0ED9-4CB6-BE06-164AAE010A78}" type="datetimeFigureOut">
               <a:rPr lang="en-US" smtClean="0"/>
-              <a:t>4/28/2021</a:t>
+              <a:t>5/3/2021</a:t>
             </a:fld>
             <a:endParaRPr lang="en-US"/>
           </a:p>
@@ -2800,7 +2992,7 @@
           <a:p>
             <a:fld id="{D26CF4C1-0ED9-4CB6-BE06-164AAE010A78}" type="datetimeFigureOut">
               <a:rPr lang="en-US" smtClean="0"/>
-              <a:t>4/28/2021</a:t>
+              <a:t>5/3/2021</a:t>
             </a:fld>
             <a:endParaRPr lang="en-US"/>
           </a:p>
@@ -3182,7 +3374,7 @@
           <a:p>
             <a:fld id="{D26CF4C1-0ED9-4CB6-BE06-164AAE010A78}" type="datetimeFigureOut">
               <a:rPr lang="en-US" smtClean="0"/>
-              <a:t>4/28/2021</a:t>
+              <a:t>5/3/2021</a:t>
             </a:fld>
             <a:endParaRPr lang="en-US"/>
           </a:p>
@@ -3469,7 +3661,7 @@
           <a:p>
             <a:fld id="{D26CF4C1-0ED9-4CB6-BE06-164AAE010A78}" type="datetimeFigureOut">
               <a:rPr lang="en-US" smtClean="0"/>
-              <a:t>4/28/2021</a:t>
+              <a:t>5/3/2021</a:t>
             </a:fld>
             <a:endParaRPr lang="en-US"/>
           </a:p>
@@ -4023,7 +4215,7 @@
           <a:p>
             <a:r>
               <a:rPr lang="en-US" sz="3900" dirty="0"/>
-              <a:t>Exploring the Effectiveness of a Branch Predictor References Branch Target Buffer</a:t>
+              <a:t>Exploring the Effectiveness of a DNN-based Branch Predictor that References Branch Target Buffer</a:t>
             </a:r>
           </a:p>
         </p:txBody>
@@ -4158,7 +4350,19 @@
           <a:p>
             <a:r>
               <a:rPr lang="en-US" dirty="0"/>
-              <a:t>2. Machine Learning (ML) based BP</a:t>
+              <a:t>2. Machine Learning (ML) based BP (explain)</a:t>
+            </a:r>
+          </a:p>
+          <a:p>
+            <a:r>
+              <a:rPr lang="en-US" dirty="0"/>
+              <a:t>3. prior work &amp; proposed change</a:t>
+            </a:r>
+          </a:p>
+          <a:p>
+            <a:r>
+              <a:rPr lang="en-US" dirty="0"/>
+              <a:t>4. methods &amp; results</a:t>
             </a:r>
           </a:p>
           <a:p>
@@ -4182,6 +4386,14 @@
 <file path=ppt/slides/slide3.xml><?xml version="1.0" encoding="utf-8"?>
 <p:sld xmlns:a="http://schemas.openxmlformats.org/drawingml/2006/main" xmlns:r="http://schemas.openxmlformats.org/officeDocument/2006/relationships" xmlns:p="http://schemas.openxmlformats.org/presentationml/2006/main">
   <p:cSld>
+    <p:bg>
+      <p:bgPr>
+        <a:solidFill>
+          <a:schemeClr val="bg1"/>
+        </a:solidFill>
+        <a:effectLst/>
+      </p:bgPr>
+    </p:bg>
     <p:spTree>
       <p:nvGrpSpPr>
         <p:cNvPr id="1" name=""/>
@@ -4212,9 +4424,16 @@
             <p:ph type="title"/>
           </p:nvPr>
         </p:nvSpPr>
-        <p:spPr/>
-        <p:txBody>
-          <a:bodyPr/>
+        <p:spPr>
+          <a:xfrm>
+            <a:off x="1097280" y="286603"/>
+            <a:ext cx="10058400" cy="1450757"/>
+          </a:xfrm>
+        </p:spPr>
+        <p:txBody>
+          <a:bodyPr>
+            <a:normAutofit/>
+          </a:bodyPr>
           <a:lstStyle/>
           <a:p>
             <a:r>
@@ -4242,12 +4461,14 @@
         </p:nvSpPr>
         <p:spPr>
           <a:xfrm>
-            <a:off x="1084310" y="1845734"/>
-            <a:ext cx="10058400" cy="4023360"/>
+            <a:off x="1097279" y="1845734"/>
+            <a:ext cx="6454987" cy="4023360"/>
           </a:xfrm>
         </p:spPr>
         <p:txBody>
-          <a:bodyPr/>
+          <a:bodyPr>
+            <a:normAutofit/>
+          </a:bodyPr>
           <a:lstStyle/>
           <a:p>
             <a:pPr marL="0" indent="0">
@@ -4261,7 +4482,7 @@
           <a:p>
             <a:r>
               <a:rPr lang="en-US" dirty="0"/>
-              <a:t>Branch Target Predictor</a:t>
+              <a:t>Branch Target Predictor </a:t>
             </a:r>
           </a:p>
           <a:p>
@@ -4307,6 +4528,71 @@
             <a:r>
               <a:rPr lang="en-US" dirty="0"/>
               <a:t>Convolution Neural Network (CNN) based BP</a:t>
+            </a:r>
+          </a:p>
+        </p:txBody>
+      </p:sp>
+      <p:pic>
+        <p:nvPicPr>
+          <p:cNvPr id="5" name="Picture 4">
+            <a:extLst>
+              <a:ext uri="{FF2B5EF4-FFF2-40B4-BE49-F238E27FC236}">
+                <a16:creationId xmlns:a16="http://schemas.microsoft.com/office/drawing/2014/main" id="{6A61274A-D421-4FBA-840D-185797697850}"/>
+              </a:ext>
+            </a:extLst>
+          </p:cNvPr>
+          <p:cNvPicPr>
+            <a:picLocks noChangeAspect="1"/>
+          </p:cNvPicPr>
+          <p:nvPr/>
+        </p:nvPicPr>
+        <p:blipFill>
+          <a:blip r:embed="rId2"/>
+          <a:stretch>
+            <a:fillRect/>
+          </a:stretch>
+        </p:blipFill>
+        <p:spPr>
+          <a:xfrm>
+            <a:off x="5427650" y="2024638"/>
+            <a:ext cx="6396769" cy="2366804"/>
+          </a:xfrm>
+          <a:prstGeom prst="rect">
+            <a:avLst/>
+          </a:prstGeom>
+        </p:spPr>
+      </p:pic>
+      <p:sp>
+        <p:nvSpPr>
+          <p:cNvPr id="6" name="TextBox 5">
+            <a:extLst>
+              <a:ext uri="{FF2B5EF4-FFF2-40B4-BE49-F238E27FC236}">
+                <a16:creationId xmlns:a16="http://schemas.microsoft.com/office/drawing/2014/main" id="{180788E8-7092-414A-82B4-673C4558519D}"/>
+              </a:ext>
+            </a:extLst>
+          </p:cNvPr>
+          <p:cNvSpPr txBox="1"/>
+          <p:nvPr/>
+        </p:nvSpPr>
+        <p:spPr>
+          <a:xfrm>
+            <a:off x="10385946" y="4526895"/>
+            <a:ext cx="1289135" cy="261610"/>
+          </a:xfrm>
+          <a:prstGeom prst="rect">
+            <a:avLst/>
+          </a:prstGeom>
+          <a:noFill/>
+        </p:spPr>
+        <p:txBody>
+          <a:bodyPr wrap="none" rtlCol="0">
+            <a:spAutoFit/>
+          </a:bodyPr>
+          <a:lstStyle/>
+          <a:p>
+            <a:r>
+              <a:rPr lang="en-US" sz="1100" dirty="0"/>
+              <a:t>Lecture note Unit 3</a:t>
             </a:r>
           </a:p>
         </p:txBody>
@@ -4662,15 +4948,14 @@
           <a:p>
             <a:r>
               <a:rPr lang="en-US" dirty="0"/>
-              <a:t>Branch target can be inferred from BTB</a:t>
-            </a:r>
-          </a:p>
-          <a:p>
-            <a:r>
-              <a:rPr lang="en-US"/>
-              <a:t>Train the </a:t>
-            </a:r>
-            <a:endParaRPr lang="en-US" dirty="0"/>
+              <a:t>Branch target can be inferred from BTB (if possible) (could be wrong target but OK)</a:t>
+            </a:r>
+          </a:p>
+          <a:p>
+            <a:r>
+              <a:rPr lang="en-US" dirty="0"/>
+              <a:t>Train the model using commonly used algorithm and evaluate</a:t>
+            </a:r>
           </a:p>
         </p:txBody>
       </p:sp>
@@ -4678,6 +4963,754 @@
     <p:extLst>
       <p:ext uri="{BB962C8B-B14F-4D97-AF65-F5344CB8AC3E}">
         <p14:creationId xmlns:p14="http://schemas.microsoft.com/office/powerpoint/2010/main" val="1851256542"/>
+      </p:ext>
+    </p:extLst>
+  </p:cSld>
+  <p:clrMapOvr>
+    <a:masterClrMapping/>
+  </p:clrMapOvr>
+</p:sld>
+</file>
+
+<file path=ppt/slides/slide6.xml><?xml version="1.0" encoding="utf-8"?>
+<p:sld xmlns:a="http://schemas.openxmlformats.org/drawingml/2006/main" xmlns:r="http://schemas.openxmlformats.org/officeDocument/2006/relationships" xmlns:p="http://schemas.openxmlformats.org/presentationml/2006/main">
+  <p:cSld>
+    <p:bg>
+      <p:bgPr>
+        <a:solidFill>
+          <a:schemeClr val="bg1"/>
+        </a:solidFill>
+        <a:effectLst/>
+      </p:bgPr>
+    </p:bg>
+    <p:spTree>
+      <p:nvGrpSpPr>
+        <p:cNvPr id="1" name=""/>
+        <p:cNvGrpSpPr/>
+        <p:nvPr/>
+      </p:nvGrpSpPr>
+      <p:grpSpPr>
+        <a:xfrm>
+          <a:off x="0" y="0"/>
+          <a:ext cx="0" cy="0"/>
+          <a:chOff x="0" y="0"/>
+          <a:chExt cx="0" cy="0"/>
+        </a:xfrm>
+      </p:grpSpPr>
+      <p:sp useBgFill="1">
+        <p:nvSpPr>
+          <p:cNvPr id="10" name="Rectangle 9">
+            <a:extLst>
+              <a:ext uri="{FF2B5EF4-FFF2-40B4-BE49-F238E27FC236}">
+                <a16:creationId xmlns:a16="http://schemas.microsoft.com/office/drawing/2014/main" id="{311973C2-EB8B-452A-A698-4A252FD3AE28}"/>
+              </a:ext>
+              <a:ext uri="{C183D7F6-B498-43B3-948B-1728B52AA6E4}">
+                <adec:decorative xmlns:adec="http://schemas.microsoft.com/office/drawing/2017/decorative" val="1"/>
+              </a:ext>
+            </a:extLst>
+          </p:cNvPr>
+          <p:cNvSpPr>
+            <a:spLocks noGrp="1" noRot="1" noChangeAspect="1" noMove="1" noResize="1" noEditPoints="1" noAdjustHandles="1" noChangeArrowheads="1" noChangeShapeType="1" noTextEdit="1"/>
+          </p:cNvSpPr>
+          <p:nvPr>
+            <p:extLst>
+              <p:ext uri="{386F3935-93C4-4BCD-93E2-E3B085C9AB24}">
+                <p16:designElem xmlns:p16="http://schemas.microsoft.com/office/powerpoint/2015/main" val="1"/>
+              </p:ext>
+            </p:extLst>
+          </p:nvPr>
+        </p:nvSpPr>
+        <p:spPr>
+          <a:xfrm>
+            <a:off x="0" y="1"/>
+            <a:ext cx="12192000" cy="6857999"/>
+          </a:xfrm>
+          <a:prstGeom prst="rect">
+            <a:avLst/>
+          </a:prstGeom>
+          <a:ln>
+            <a:noFill/>
+          </a:ln>
+        </p:spPr>
+        <p:style>
+          <a:lnRef idx="2">
+            <a:schemeClr val="accent1">
+              <a:shade val="50000"/>
+            </a:schemeClr>
+          </a:lnRef>
+          <a:fillRef idx="1">
+            <a:schemeClr val="accent1"/>
+          </a:fillRef>
+          <a:effectRef idx="0">
+            <a:schemeClr val="accent1"/>
+          </a:effectRef>
+          <a:fontRef idx="minor">
+            <a:schemeClr val="lt1"/>
+          </a:fontRef>
+        </p:style>
+        <p:txBody>
+          <a:bodyPr rtlCol="0" anchor="ctr"/>
+          <a:lstStyle/>
+          <a:p>
+            <a:pPr algn="ctr"/>
+            <a:endParaRPr lang="en-US"/>
+          </a:p>
+        </p:txBody>
+      </p:sp>
+      <p:sp useBgFill="1">
+        <p:nvSpPr>
+          <p:cNvPr id="12" name="Rectangle 11">
+            <a:extLst>
+              <a:ext uri="{FF2B5EF4-FFF2-40B4-BE49-F238E27FC236}">
+                <a16:creationId xmlns:a16="http://schemas.microsoft.com/office/drawing/2014/main" id="{10162E77-11AD-44A7-84EC-40C59EEFBD2E}"/>
+              </a:ext>
+              <a:ext uri="{C183D7F6-B498-43B3-948B-1728B52AA6E4}">
+                <adec:decorative xmlns:adec="http://schemas.microsoft.com/office/drawing/2017/decorative" val="1"/>
+              </a:ext>
+            </a:extLst>
+          </p:cNvPr>
+          <p:cNvSpPr>
+            <a:spLocks noGrp="1" noRot="1" noChangeAspect="1" noMove="1" noResize="1" noEditPoints="1" noAdjustHandles="1" noChangeArrowheads="1" noChangeShapeType="1" noTextEdit="1"/>
+          </p:cNvSpPr>
+          <p:nvPr>
+            <p:extLst>
+              <p:ext uri="{386F3935-93C4-4BCD-93E2-E3B085C9AB24}">
+                <p16:designElem xmlns:p16="http://schemas.microsoft.com/office/powerpoint/2015/main" val="1"/>
+              </p:ext>
+            </p:extLst>
+          </p:nvPr>
+        </p:nvSpPr>
+        <p:spPr>
+          <a:xfrm>
+            <a:off x="0" y="0"/>
+            <a:ext cx="12192001" cy="6334316"/>
+          </a:xfrm>
+          <a:prstGeom prst="rect">
+            <a:avLst/>
+          </a:prstGeom>
+          <a:ln>
+            <a:noFill/>
+          </a:ln>
+        </p:spPr>
+        <p:style>
+          <a:lnRef idx="2">
+            <a:schemeClr val="accent1">
+              <a:shade val="50000"/>
+            </a:schemeClr>
+          </a:lnRef>
+          <a:fillRef idx="1">
+            <a:schemeClr val="accent1"/>
+          </a:fillRef>
+          <a:effectRef idx="0">
+            <a:schemeClr val="accent1"/>
+          </a:effectRef>
+          <a:fontRef idx="minor">
+            <a:schemeClr val="lt1"/>
+          </a:fontRef>
+        </p:style>
+        <p:txBody>
+          <a:bodyPr rtlCol="0" anchor="ctr"/>
+          <a:lstStyle/>
+          <a:p>
+            <a:pPr algn="ctr"/>
+            <a:endParaRPr lang="en-US"/>
+          </a:p>
+        </p:txBody>
+      </p:sp>
+      <p:sp>
+        <p:nvSpPr>
+          <p:cNvPr id="2" name="Title 1">
+            <a:extLst>
+              <a:ext uri="{FF2B5EF4-FFF2-40B4-BE49-F238E27FC236}">
+                <a16:creationId xmlns:a16="http://schemas.microsoft.com/office/drawing/2014/main" id="{9533547E-62DE-4674-B65C-EEB241E0136B}"/>
+              </a:ext>
+            </a:extLst>
+          </p:cNvPr>
+          <p:cNvSpPr>
+            <a:spLocks noGrp="1"/>
+          </p:cNvSpPr>
+          <p:nvPr>
+            <p:ph type="title"/>
+          </p:nvPr>
+        </p:nvSpPr>
+        <p:spPr>
+          <a:xfrm>
+            <a:off x="5181601" y="634946"/>
+            <a:ext cx="6368142" cy="1450757"/>
+          </a:xfrm>
+        </p:spPr>
+        <p:txBody>
+          <a:bodyPr>
+            <a:normAutofit/>
+          </a:bodyPr>
+          <a:lstStyle/>
+          <a:p>
+            <a:r>
+              <a:rPr lang="en-US" dirty="0"/>
+              <a:t>Methods</a:t>
+            </a:r>
+          </a:p>
+        </p:txBody>
+      </p:sp>
+      <p:pic>
+        <p:nvPicPr>
+          <p:cNvPr id="5" name="Picture 4">
+            <a:extLst>
+              <a:ext uri="{FF2B5EF4-FFF2-40B4-BE49-F238E27FC236}">
+                <a16:creationId xmlns:a16="http://schemas.microsoft.com/office/drawing/2014/main" id="{5BD27847-72F0-427E-B352-69F4E13BCB28}"/>
+              </a:ext>
+            </a:extLst>
+          </p:cNvPr>
+          <p:cNvPicPr>
+            <a:picLocks noChangeAspect="1"/>
+          </p:cNvPicPr>
+          <p:nvPr/>
+        </p:nvPicPr>
+        <p:blipFill rotWithShape="1">
+          <a:blip r:embed="rId2"/>
+          <a:srcRect l="3350" r="4161" b="-2"/>
+          <a:stretch/>
+        </p:blipFill>
+        <p:spPr>
+          <a:xfrm>
+            <a:off x="20" y="-12128"/>
+            <a:ext cx="4654276" cy="6870127"/>
+          </a:xfrm>
+          <a:prstGeom prst="rect">
+            <a:avLst/>
+          </a:prstGeom>
+        </p:spPr>
+      </p:pic>
+      <p:cxnSp>
+        <p:nvCxnSpPr>
+          <p:cNvPr id="14" name="Straight Connector 13">
+            <a:extLst>
+              <a:ext uri="{FF2B5EF4-FFF2-40B4-BE49-F238E27FC236}">
+                <a16:creationId xmlns:a16="http://schemas.microsoft.com/office/drawing/2014/main" id="{5AB158E9-1B40-4CD6-95F0-95CA11DF7B7A}"/>
+              </a:ext>
+              <a:ext uri="{C183D7F6-B498-43B3-948B-1728B52AA6E4}">
+                <adec:decorative xmlns:adec="http://schemas.microsoft.com/office/drawing/2017/decorative" val="1"/>
+              </a:ext>
+            </a:extLst>
+          </p:cNvPr>
+          <p:cNvCxnSpPr>
+            <a:cxnSpLocks noGrp="1" noRot="1" noChangeAspect="1" noMove="1" noResize="1" noEditPoints="1" noAdjustHandles="1" noChangeArrowheads="1" noChangeShapeType="1"/>
+          </p:cNvCxnSpPr>
+          <p:nvPr>
+            <p:extLst>
+              <p:ext uri="{386F3935-93C4-4BCD-93E2-E3B085C9AB24}">
+                <p16:designElem xmlns:p16="http://schemas.microsoft.com/office/powerpoint/2015/main" val="1"/>
+              </p:ext>
+            </p:extLst>
+          </p:nvPr>
+        </p:nvCxnSpPr>
+        <p:spPr>
+          <a:xfrm>
+            <a:off x="5287617" y="2085703"/>
+            <a:ext cx="6170686" cy="0"/>
+          </a:xfrm>
+          <a:prstGeom prst="line">
+            <a:avLst/>
+          </a:prstGeom>
+          <a:ln w="6350">
+            <a:solidFill>
+              <a:schemeClr val="tx1">
+                <a:lumMod val="50000"/>
+                <a:lumOff val="50000"/>
+                <a:alpha val="90000"/>
+              </a:schemeClr>
+            </a:solidFill>
+          </a:ln>
+        </p:spPr>
+        <p:style>
+          <a:lnRef idx="1">
+            <a:schemeClr val="accent1"/>
+          </a:lnRef>
+          <a:fillRef idx="0">
+            <a:schemeClr val="accent1"/>
+          </a:fillRef>
+          <a:effectRef idx="0">
+            <a:schemeClr val="accent1"/>
+          </a:effectRef>
+          <a:fontRef idx="minor">
+            <a:schemeClr val="tx1"/>
+          </a:fontRef>
+        </p:style>
+      </p:cxnSp>
+      <p:sp>
+        <p:nvSpPr>
+          <p:cNvPr id="3" name="Content Placeholder 2">
+            <a:extLst>
+              <a:ext uri="{FF2B5EF4-FFF2-40B4-BE49-F238E27FC236}">
+                <a16:creationId xmlns:a16="http://schemas.microsoft.com/office/drawing/2014/main" id="{58E241D3-70C2-425B-A2AC-4FAE76092EA5}"/>
+              </a:ext>
+            </a:extLst>
+          </p:cNvPr>
+          <p:cNvSpPr>
+            <a:spLocks noGrp="1"/>
+          </p:cNvSpPr>
+          <p:nvPr>
+            <p:ph idx="1"/>
+          </p:nvPr>
+        </p:nvSpPr>
+        <p:spPr>
+          <a:xfrm>
+            <a:off x="5181601" y="2198914"/>
+            <a:ext cx="6368142" cy="3670180"/>
+          </a:xfrm>
+        </p:spPr>
+        <p:txBody>
+          <a:bodyPr>
+            <a:normAutofit/>
+          </a:bodyPr>
+          <a:lstStyle/>
+          <a:p>
+            <a:r>
+              <a:rPr lang="en-US" dirty="0"/>
+              <a:t>Simulator – Gem5</a:t>
+            </a:r>
+          </a:p>
+          <a:p>
+            <a:r>
+              <a:rPr lang="en-US" dirty="0"/>
+              <a:t>Full system simulation (SE) script, tournament BP (easy access to BTB)</a:t>
+            </a:r>
+          </a:p>
+          <a:p>
+            <a:r>
+              <a:rPr lang="en-US" dirty="0"/>
+              <a:t>Run 10,000 entry quick sort as training data (1,000,000 branch record)</a:t>
+            </a:r>
+          </a:p>
+          <a:p>
+            <a:r>
+              <a:rPr lang="en-US" dirty="0"/>
+              <a:t>Construct DNN as the same shape as prior work:</a:t>
+            </a:r>
+          </a:p>
+          <a:p>
+            <a:pPr lvl="1"/>
+            <a:r>
+              <a:rPr lang="en-US" dirty="0"/>
+              <a:t>PC: 32 bits | target 32 bits | GHR 512 bits | GA 48*8 bits    =&gt; 960 bits total</a:t>
+            </a:r>
+          </a:p>
+          <a:p>
+            <a:pPr lvl="1"/>
+            <a:r>
+              <a:rPr lang="en-US" dirty="0"/>
+              <a:t>Reference from AlexNet</a:t>
+            </a:r>
+          </a:p>
+          <a:p>
+            <a:r>
+              <a:rPr lang="en-US" dirty="0"/>
+              <a:t>TensorFlow Keras as training tool</a:t>
+            </a:r>
+          </a:p>
+          <a:p>
+            <a:endParaRPr lang="en-US" dirty="0"/>
+          </a:p>
+          <a:p>
+            <a:endParaRPr lang="en-US" dirty="0"/>
+          </a:p>
+        </p:txBody>
+      </p:sp>
+      <p:sp>
+        <p:nvSpPr>
+          <p:cNvPr id="7" name="TextBox 6">
+            <a:extLst>
+              <a:ext uri="{FF2B5EF4-FFF2-40B4-BE49-F238E27FC236}">
+                <a16:creationId xmlns:a16="http://schemas.microsoft.com/office/drawing/2014/main" id="{B1247866-09C6-4B8D-A776-334535325D6D}"/>
+              </a:ext>
+            </a:extLst>
+          </p:cNvPr>
+          <p:cNvSpPr txBox="1"/>
+          <p:nvPr/>
+        </p:nvSpPr>
+        <p:spPr>
+          <a:xfrm>
+            <a:off x="5012987" y="6382902"/>
+            <a:ext cx="4352474" cy="261610"/>
+          </a:xfrm>
+          <a:prstGeom prst="rect">
+            <a:avLst/>
+          </a:prstGeom>
+          <a:noFill/>
+        </p:spPr>
+        <p:txBody>
+          <a:bodyPr wrap="none" rtlCol="0">
+            <a:spAutoFit/>
+          </a:bodyPr>
+          <a:lstStyle/>
+          <a:p>
+            <a:r>
+              <a:rPr lang="en-US" sz="1100" dirty="0"/>
+              <a:t>Check out if interested: </a:t>
+            </a:r>
+            <a:r>
+              <a:rPr lang="en-US" sz="1100" dirty="0">
+                <a:hlinkClick r:id="rId3"/>
+              </a:rPr>
+              <a:t>Bald-Badger/DNN-Branch-Predictor (github.com)</a:t>
+            </a:r>
+            <a:endParaRPr lang="en-US" sz="1100" dirty="0"/>
+          </a:p>
+        </p:txBody>
+      </p:sp>
+    </p:spTree>
+    <p:extLst>
+      <p:ext uri="{BB962C8B-B14F-4D97-AF65-F5344CB8AC3E}">
+        <p14:creationId xmlns:p14="http://schemas.microsoft.com/office/powerpoint/2010/main" val="4116369136"/>
+      </p:ext>
+    </p:extLst>
+  </p:cSld>
+  <p:clrMapOvr>
+    <a:masterClrMapping/>
+  </p:clrMapOvr>
+</p:sld>
+</file>
+
+<file path=ppt/slides/slide7.xml><?xml version="1.0" encoding="utf-8"?>
+<p:sld xmlns:a="http://schemas.openxmlformats.org/drawingml/2006/main" xmlns:r="http://schemas.openxmlformats.org/officeDocument/2006/relationships" xmlns:p="http://schemas.openxmlformats.org/presentationml/2006/main">
+  <p:cSld>
+    <p:spTree>
+      <p:nvGrpSpPr>
+        <p:cNvPr id="1" name=""/>
+        <p:cNvGrpSpPr/>
+        <p:nvPr/>
+      </p:nvGrpSpPr>
+      <p:grpSpPr>
+        <a:xfrm>
+          <a:off x="0" y="0"/>
+          <a:ext cx="0" cy="0"/>
+          <a:chOff x="0" y="0"/>
+          <a:chExt cx="0" cy="0"/>
+        </a:xfrm>
+      </p:grpSpPr>
+      <p:sp>
+        <p:nvSpPr>
+          <p:cNvPr id="2" name="Title 1">
+            <a:extLst>
+              <a:ext uri="{FF2B5EF4-FFF2-40B4-BE49-F238E27FC236}">
+                <a16:creationId xmlns:a16="http://schemas.microsoft.com/office/drawing/2014/main" id="{9E1D0D9C-B937-4FDC-A0E7-5A0FE1A1C9E4}"/>
+              </a:ext>
+            </a:extLst>
+          </p:cNvPr>
+          <p:cNvSpPr>
+            <a:spLocks noGrp="1"/>
+          </p:cNvSpPr>
+          <p:nvPr>
+            <p:ph type="title"/>
+          </p:nvPr>
+        </p:nvSpPr>
+        <p:spPr/>
+        <p:txBody>
+          <a:bodyPr/>
+          <a:lstStyle/>
+          <a:p>
+            <a:r>
+              <a:rPr lang="en-US" dirty="0"/>
+              <a:t>Results</a:t>
+            </a:r>
+          </a:p>
+        </p:txBody>
+      </p:sp>
+      <p:sp>
+        <p:nvSpPr>
+          <p:cNvPr id="3" name="Content Placeholder 2">
+            <a:extLst>
+              <a:ext uri="{FF2B5EF4-FFF2-40B4-BE49-F238E27FC236}">
+                <a16:creationId xmlns:a16="http://schemas.microsoft.com/office/drawing/2014/main" id="{FB64128D-B95F-4D98-AC87-AB2DCA50884F}"/>
+              </a:ext>
+            </a:extLst>
+          </p:cNvPr>
+          <p:cNvSpPr>
+            <a:spLocks noGrp="1"/>
+          </p:cNvSpPr>
+          <p:nvPr>
+            <p:ph idx="1"/>
+          </p:nvPr>
+        </p:nvSpPr>
+        <p:spPr/>
+        <p:txBody>
+          <a:bodyPr/>
+          <a:lstStyle/>
+          <a:p>
+            <a:r>
+              <a:rPr lang="en-US" dirty="0"/>
+              <a:t>Unfortunately, unable to replicate original approach, let alone the proposed improvements</a:t>
+            </a:r>
+          </a:p>
+          <a:p>
+            <a:r>
+              <a:rPr lang="en-US" dirty="0"/>
+              <a:t>The model failed to converge (reached local maximum)</a:t>
+            </a:r>
+          </a:p>
+          <a:p>
+            <a:r>
+              <a:rPr lang="en-US" dirty="0"/>
+              <a:t>Settled at ‘always predict taken’ -&gt; likely because most of the branch in the data set were taken</a:t>
+            </a:r>
+          </a:p>
+          <a:p>
+            <a:endParaRPr lang="en-US" dirty="0"/>
+          </a:p>
+          <a:p>
+            <a:r>
+              <a:rPr lang="en-US" dirty="0"/>
+              <a:t>Possible reasons:</a:t>
+            </a:r>
+          </a:p>
+          <a:p>
+            <a:r>
+              <a:rPr lang="en-US" dirty="0"/>
+              <a:t>No temporal / special relation among bits – low relevance</a:t>
+            </a:r>
+          </a:p>
+          <a:p>
+            <a:r>
+              <a:rPr lang="en-US" dirty="0"/>
+              <a:t>Parameter fine-tune</a:t>
+            </a:r>
+          </a:p>
+          <a:p>
+            <a:endParaRPr lang="en-US" dirty="0"/>
+          </a:p>
+        </p:txBody>
+      </p:sp>
+      <p:pic>
+        <p:nvPicPr>
+          <p:cNvPr id="5" name="Picture 4">
+            <a:extLst>
+              <a:ext uri="{FF2B5EF4-FFF2-40B4-BE49-F238E27FC236}">
+                <a16:creationId xmlns:a16="http://schemas.microsoft.com/office/drawing/2014/main" id="{080C5A21-6275-4F92-9032-A744DA78E44D}"/>
+              </a:ext>
+            </a:extLst>
+          </p:cNvPr>
+          <p:cNvPicPr>
+            <a:picLocks noChangeAspect="1"/>
+          </p:cNvPicPr>
+          <p:nvPr/>
+        </p:nvPicPr>
+        <p:blipFill>
+          <a:blip r:embed="rId2"/>
+          <a:stretch>
+            <a:fillRect/>
+          </a:stretch>
+        </p:blipFill>
+        <p:spPr>
+          <a:xfrm>
+            <a:off x="4424788" y="4468238"/>
+            <a:ext cx="7598889" cy="1830203"/>
+          </a:xfrm>
+          <a:prstGeom prst="rect">
+            <a:avLst/>
+          </a:prstGeom>
+        </p:spPr>
+      </p:pic>
+    </p:spTree>
+    <p:extLst>
+      <p:ext uri="{BB962C8B-B14F-4D97-AF65-F5344CB8AC3E}">
+        <p14:creationId xmlns:p14="http://schemas.microsoft.com/office/powerpoint/2010/main" val="3700341734"/>
+      </p:ext>
+    </p:extLst>
+  </p:cSld>
+  <p:clrMapOvr>
+    <a:masterClrMapping/>
+  </p:clrMapOvr>
+</p:sld>
+</file>
+
+<file path=ppt/slides/slide8.xml><?xml version="1.0" encoding="utf-8"?>
+<p:sld xmlns:a="http://schemas.openxmlformats.org/drawingml/2006/main" xmlns:r="http://schemas.openxmlformats.org/officeDocument/2006/relationships" xmlns:p="http://schemas.openxmlformats.org/presentationml/2006/main">
+  <p:cSld>
+    <p:spTree>
+      <p:nvGrpSpPr>
+        <p:cNvPr id="1" name=""/>
+        <p:cNvGrpSpPr/>
+        <p:nvPr/>
+      </p:nvGrpSpPr>
+      <p:grpSpPr>
+        <a:xfrm>
+          <a:off x="0" y="0"/>
+          <a:ext cx="0" cy="0"/>
+          <a:chOff x="0" y="0"/>
+          <a:chExt cx="0" cy="0"/>
+        </a:xfrm>
+      </p:grpSpPr>
+      <p:sp>
+        <p:nvSpPr>
+          <p:cNvPr id="2" name="Title 1">
+            <a:extLst>
+              <a:ext uri="{FF2B5EF4-FFF2-40B4-BE49-F238E27FC236}">
+                <a16:creationId xmlns:a16="http://schemas.microsoft.com/office/drawing/2014/main" id="{0ACCE19C-2B39-4846-8ACF-BC378852860F}"/>
+              </a:ext>
+            </a:extLst>
+          </p:cNvPr>
+          <p:cNvSpPr>
+            <a:spLocks noGrp="1"/>
+          </p:cNvSpPr>
+          <p:nvPr>
+            <p:ph type="title"/>
+          </p:nvPr>
+        </p:nvSpPr>
+        <p:spPr/>
+        <p:txBody>
+          <a:bodyPr/>
+          <a:lstStyle/>
+          <a:p>
+            <a:r>
+              <a:rPr lang="en-US" dirty="0"/>
+              <a:t>Future work</a:t>
+            </a:r>
+          </a:p>
+        </p:txBody>
+      </p:sp>
+      <p:sp>
+        <p:nvSpPr>
+          <p:cNvPr id="3" name="Content Placeholder 2">
+            <a:extLst>
+              <a:ext uri="{FF2B5EF4-FFF2-40B4-BE49-F238E27FC236}">
+                <a16:creationId xmlns:a16="http://schemas.microsoft.com/office/drawing/2014/main" id="{FC4325E2-994C-4B88-98AA-D1C799645841}"/>
+              </a:ext>
+            </a:extLst>
+          </p:cNvPr>
+          <p:cNvSpPr>
+            <a:spLocks noGrp="1"/>
+          </p:cNvSpPr>
+          <p:nvPr>
+            <p:ph idx="1"/>
+          </p:nvPr>
+        </p:nvSpPr>
+        <p:spPr/>
+        <p:txBody>
+          <a:bodyPr/>
+          <a:lstStyle/>
+          <a:p>
+            <a:r>
+              <a:rPr lang="en-US" dirty="0"/>
+              <a:t>Try to replicate original approach then evaluate the new model</a:t>
+            </a:r>
+          </a:p>
+          <a:p>
+            <a:r>
+              <a:rPr lang="en-US" dirty="0"/>
+              <a:t>Fine tune parameters and try to converge model</a:t>
+            </a:r>
+          </a:p>
+          <a:p>
+            <a:r>
+              <a:rPr lang="en-US" dirty="0"/>
+              <a:t>Try more network shape (</a:t>
+            </a:r>
+            <a:r>
+              <a:rPr lang="en-US" dirty="0" err="1"/>
+              <a:t>VGGNet</a:t>
+            </a:r>
+            <a:r>
+              <a:rPr lang="en-US" dirty="0"/>
+              <a:t>, </a:t>
+            </a:r>
+            <a:r>
+              <a:rPr lang="en-US" dirty="0" err="1"/>
+              <a:t>ResNet</a:t>
+            </a:r>
+            <a:r>
+              <a:rPr lang="en-US" dirty="0"/>
+              <a:t>, etc.)</a:t>
+            </a:r>
+          </a:p>
+        </p:txBody>
+      </p:sp>
+    </p:spTree>
+    <p:extLst>
+      <p:ext uri="{BB962C8B-B14F-4D97-AF65-F5344CB8AC3E}">
+        <p14:creationId xmlns:p14="http://schemas.microsoft.com/office/powerpoint/2010/main" val="3357249023"/>
+      </p:ext>
+    </p:extLst>
+  </p:cSld>
+  <p:clrMapOvr>
+    <a:masterClrMapping/>
+  </p:clrMapOvr>
+</p:sld>
+</file>
+
+<file path=ppt/slides/slide9.xml><?xml version="1.0" encoding="utf-8"?>
+<p:sld xmlns:a="http://schemas.openxmlformats.org/drawingml/2006/main" xmlns:r="http://schemas.openxmlformats.org/officeDocument/2006/relationships" xmlns:p="http://schemas.openxmlformats.org/presentationml/2006/main">
+  <p:cSld>
+    <p:spTree>
+      <p:nvGrpSpPr>
+        <p:cNvPr id="1" name=""/>
+        <p:cNvGrpSpPr/>
+        <p:nvPr/>
+      </p:nvGrpSpPr>
+      <p:grpSpPr>
+        <a:xfrm>
+          <a:off x="0" y="0"/>
+          <a:ext cx="0" cy="0"/>
+          <a:chOff x="0" y="0"/>
+          <a:chExt cx="0" cy="0"/>
+        </a:xfrm>
+      </p:grpSpPr>
+      <p:sp>
+        <p:nvSpPr>
+          <p:cNvPr id="2" name="Title 1">
+            <a:extLst>
+              <a:ext uri="{FF2B5EF4-FFF2-40B4-BE49-F238E27FC236}">
+                <a16:creationId xmlns:a16="http://schemas.microsoft.com/office/drawing/2014/main" id="{B29372E3-B69B-468E-AE5B-786C91EED531}"/>
+              </a:ext>
+            </a:extLst>
+          </p:cNvPr>
+          <p:cNvSpPr>
+            <a:spLocks noGrp="1"/>
+          </p:cNvSpPr>
+          <p:nvPr>
+            <p:ph type="title"/>
+          </p:nvPr>
+        </p:nvSpPr>
+        <p:spPr/>
+        <p:txBody>
+          <a:bodyPr/>
+          <a:lstStyle/>
+          <a:p>
+            <a:r>
+              <a:rPr lang="en-US" dirty="0"/>
+              <a:t>Q &amp; A</a:t>
+            </a:r>
+          </a:p>
+        </p:txBody>
+      </p:sp>
+      <p:sp>
+        <p:nvSpPr>
+          <p:cNvPr id="3" name="Content Placeholder 2">
+            <a:extLst>
+              <a:ext uri="{FF2B5EF4-FFF2-40B4-BE49-F238E27FC236}">
+                <a16:creationId xmlns:a16="http://schemas.microsoft.com/office/drawing/2014/main" id="{F696B88C-B7BE-42DC-AEAC-B20404E8013A}"/>
+              </a:ext>
+            </a:extLst>
+          </p:cNvPr>
+          <p:cNvSpPr>
+            <a:spLocks noGrp="1"/>
+          </p:cNvSpPr>
+          <p:nvPr>
+            <p:ph idx="1"/>
+          </p:nvPr>
+        </p:nvSpPr>
+        <p:spPr/>
+        <p:txBody>
+          <a:bodyPr/>
+          <a:lstStyle/>
+          <a:p>
+            <a:endParaRPr lang="en-US"/>
+          </a:p>
+        </p:txBody>
+      </p:sp>
+    </p:spTree>
+    <p:extLst>
+      <p:ext uri="{BB962C8B-B14F-4D97-AF65-F5344CB8AC3E}">
+        <p14:creationId xmlns:p14="http://schemas.microsoft.com/office/powerpoint/2010/main" val="3989530009"/>
       </p:ext>
     </p:extLst>
   </p:cSld>
